--- a/ApexEducation/apexintropresentation2.pptx
+++ b/ApexEducation/apexintropresentation2.pptx
@@ -11,8 +11,9 @@
     <p:sldId id="262" r:id="rId5"/>
     <p:sldId id="263" r:id="rId6"/>
     <p:sldId id="264" r:id="rId7"/>
-    <p:sldId id="259" r:id="rId8"/>
-    <p:sldId id="257" r:id="rId9"/>
+    <p:sldId id="265" r:id="rId8"/>
+    <p:sldId id="259" r:id="rId9"/>
+    <p:sldId id="257" r:id="rId10"/>
   </p:sldIdLst>
   <p:sldSz cx="12192000" cy="6858000"/>
   <p:notesSz cx="6858000" cy="9144000"/>
@@ -111,6 +112,11 @@
       </a:defRPr>
     </a:lvl9pPr>
   </p:defaultTextStyle>
+  <p:extLst>
+    <p:ext uri="{EFAFB233-063F-42B5-8137-9DF3F51BA10A}">
+      <p15:sldGuideLst xmlns:p15="http://schemas.microsoft.com/office/powerpoint/2012/main"/>
+    </p:ext>
+  </p:extLst>
 </p:presentation>
 </file>
 
@@ -517,7 +523,7 @@
           <a:p>
             <a:fld id="{83284890-85D2-4D7B-8EF5-15A9C1DB8F42}" type="datetimeFigureOut">
               <a:rPr lang="en-US" dirty="0"/>
-              <a:t>1/3/2024</a:t>
+              <a:t>1/4/2024</a:t>
             </a:fld>
             <a:endParaRPr lang="en-US" dirty="0"/>
           </a:p>
@@ -692,7 +698,7 @@
           <a:p>
             <a:fld id="{87157CC2-0FC8-4686-B024-99790E0F5162}" type="datetimeFigureOut">
               <a:rPr lang="en-US" dirty="0"/>
-              <a:t>1/3/2024</a:t>
+              <a:t>1/4/2024</a:t>
             </a:fld>
             <a:endParaRPr lang="en-US" dirty="0"/>
           </a:p>
@@ -867,7 +873,7 @@
           <a:p>
             <a:fld id="{F6764DA5-CD3D-4590-A511-FCD3BC7A793E}" type="datetimeFigureOut">
               <a:rPr lang="en-US" dirty="0"/>
-              <a:t>1/3/2024</a:t>
+              <a:t>1/4/2024</a:t>
             </a:fld>
             <a:endParaRPr lang="en-US" dirty="0"/>
           </a:p>
@@ -1032,7 +1038,7 @@
           <a:p>
             <a:fld id="{82F5661D-6934-4B32-B92C-470368BF1EC6}" type="datetimeFigureOut">
               <a:rPr lang="en-US" dirty="0"/>
-              <a:t>1/3/2024</a:t>
+              <a:t>1/4/2024</a:t>
             </a:fld>
             <a:endParaRPr lang="en-US" dirty="0"/>
           </a:p>
@@ -1340,7 +1346,7 @@
           <a:p>
             <a:fld id="{C6F822A4-8DA6-4447-9B1F-C5DB58435268}" type="datetimeFigureOut">
               <a:rPr lang="en-US" dirty="0"/>
-              <a:t>1/3/2024</a:t>
+              <a:t>1/4/2024</a:t>
             </a:fld>
             <a:endParaRPr lang="en-US" dirty="0"/>
           </a:p>
@@ -1722,7 +1728,7 @@
           <a:p>
             <a:fld id="{E548D31E-DCDA-41A7-9C67-C4B11B94D21D}" type="datetimeFigureOut">
               <a:rPr lang="en-US" dirty="0"/>
-              <a:t>1/3/2024</a:t>
+              <a:t>1/4/2024</a:t>
             </a:fld>
             <a:endParaRPr lang="en-US" dirty="0"/>
           </a:p>
@@ -2151,7 +2157,7 @@
           <a:p>
             <a:fld id="{9B3762C0-B258-48F1-ADE6-176B4174CCDD}" type="datetimeFigureOut">
               <a:rPr lang="en-US" dirty="0"/>
-              <a:t>1/3/2024</a:t>
+              <a:t>1/4/2024</a:t>
             </a:fld>
             <a:endParaRPr lang="en-US" dirty="0"/>
           </a:p>
@@ -2264,7 +2270,7 @@
           <a:p>
             <a:fld id="{677919A6-33EB-49BD-A62F-1FA56B9F9712}" type="datetimeFigureOut">
               <a:rPr lang="en-US" dirty="0"/>
-              <a:t>1/3/2024</a:t>
+              <a:t>1/4/2024</a:t>
             </a:fld>
             <a:endParaRPr lang="en-US" dirty="0"/>
           </a:p>
@@ -2354,7 +2360,7 @@
           <a:p>
             <a:fld id="{CA4E7D1B-D673-4CF6-8672-009D42ABD2A0}" type="datetimeFigureOut">
               <a:rPr lang="en-US" dirty="0"/>
-              <a:t>1/3/2024</a:t>
+              <a:t>1/4/2024</a:t>
             </a:fld>
             <a:endParaRPr lang="en-US" dirty="0"/>
           </a:p>
@@ -2699,7 +2705,7 @@
           <a:p>
             <a:fld id="{DA16AA21-1863-4931-97CB-99D0A168701B}" type="datetimeFigureOut">
               <a:rPr lang="en-US" dirty="0"/>
-              <a:t>1/3/2024</a:t>
+              <a:t>1/4/2024</a:t>
             </a:fld>
             <a:endParaRPr lang="en-US" dirty="0"/>
           </a:p>
@@ -3119,7 +3125,7 @@
           <a:p>
             <a:fld id="{3772C379-9A7C-4C87-A116-CBE9F58B04C5}" type="datetimeFigureOut">
               <a:rPr lang="en-US" dirty="0"/>
-              <a:t>1/3/2024</a:t>
+              <a:t>1/4/2024</a:t>
             </a:fld>
             <a:endParaRPr lang="en-US" dirty="0"/>
           </a:p>
@@ -3395,7 +3401,7 @@
           <a:p>
             <a:fld id="{8664C608-40B1-4030-A28D-5B74BC98ADCE}" type="datetimeFigureOut">
               <a:rPr lang="en-US" dirty="0"/>
-              <a:t>1/3/2024</a:t>
+              <a:t>1/4/2024</a:t>
             </a:fld>
             <a:endParaRPr lang="en-US" dirty="0"/>
           </a:p>
@@ -3978,16 +3984,25 @@
             <p:ph type="title"/>
           </p:nvPr>
         </p:nvSpPr>
-        <p:spPr/>
+        <p:spPr>
+          <a:xfrm>
+            <a:off x="421419" y="484632"/>
+            <a:ext cx="3395207" cy="835285"/>
+          </a:xfrm>
+        </p:spPr>
         <p:txBody>
           <a:bodyPr/>
           <a:lstStyle/>
           <a:p>
             <a:r>
-              <a:rPr lang="en-US" dirty="0" smtClean="0"/>
-              <a:t>      PRESENTATION 2</a:t>
-            </a:r>
-            <a:endParaRPr lang="en-US" dirty="0"/>
+              <a:rPr lang="en-US" sz="2400" dirty="0" smtClean="0"/>
+              <a:t>PRESENTATION </a:t>
+            </a:r>
+            <a:r>
+              <a:rPr lang="en-US" sz="2400" dirty="0" smtClean="0"/>
+              <a:t>2</a:t>
+            </a:r>
+            <a:endParaRPr lang="en-US" sz="2400" dirty="0"/>
           </a:p>
         </p:txBody>
       </p:sp>
@@ -4006,6 +4021,12 @@
           <a:bodyPr/>
           <a:lstStyle/>
           <a:p>
+            <a:endParaRPr lang="en-US" dirty="0" smtClean="0"/>
+          </a:p>
+          <a:p>
+            <a:pPr marL="0" indent="0">
+              <a:buNone/>
+            </a:pPr>
             <a:endParaRPr lang="en-US" dirty="0"/>
           </a:p>
         </p:txBody>
@@ -4070,10 +4091,10 @@
           <a:lstStyle/>
           <a:p>
             <a:r>
-              <a:rPr lang="en-US" sz="3200" dirty="0" smtClean="0"/>
+              <a:rPr lang="en-US" sz="2400" dirty="0" smtClean="0"/>
               <a:t>EVOLUTION OF COMPUTERS</a:t>
             </a:r>
-            <a:endParaRPr lang="en-US" sz="3200" dirty="0"/>
+            <a:endParaRPr lang="en-US" sz="2400" dirty="0"/>
           </a:p>
         </p:txBody>
       </p:sp>
@@ -4349,8 +4370,8 @@
         </p:nvSpPr>
         <p:spPr>
           <a:xfrm>
-            <a:off x="1069848" y="484632"/>
-            <a:ext cx="10058400" cy="644921"/>
+            <a:off x="656380" y="540291"/>
+            <a:ext cx="5187829" cy="469525"/>
           </a:xfrm>
         </p:spPr>
         <p:txBody>
@@ -4358,14 +4379,14 @@
           <a:lstStyle/>
           <a:p>
             <a:r>
-              <a:rPr lang="en-US" sz="3600" dirty="0"/>
+              <a:rPr lang="en-US" sz="2400" dirty="0"/>
               <a:t>EVOLUTION OF </a:t>
             </a:r>
             <a:r>
-              <a:rPr lang="en-US" sz="3600" dirty="0" smtClean="0"/>
+              <a:rPr lang="en-US" sz="2400" dirty="0" smtClean="0"/>
               <a:t>COMPUTERS (CONTINUED)</a:t>
             </a:r>
-            <a:endParaRPr lang="en-US" sz="3600" dirty="0"/>
+            <a:endParaRPr lang="en-US" sz="2400" dirty="0"/>
           </a:p>
         </p:txBody>
       </p:sp>
@@ -4381,7 +4402,7 @@
         </p:nvSpPr>
         <p:spPr>
           <a:xfrm>
-            <a:off x="1177424" y="1287690"/>
+            <a:off x="815009" y="1311544"/>
             <a:ext cx="10058400" cy="4050792"/>
           </a:xfrm>
         </p:spPr>
@@ -4483,18 +4504,18 @@
         </p:nvSpPr>
         <p:spPr>
           <a:xfrm>
-            <a:off x="1069848" y="471185"/>
+            <a:off x="457598" y="430728"/>
             <a:ext cx="10058400" cy="577686"/>
           </a:xfrm>
         </p:spPr>
         <p:txBody>
           <a:bodyPr>
-            <a:normAutofit fontScale="90000"/>
+            <a:normAutofit/>
           </a:bodyPr>
           <a:lstStyle/>
           <a:p>
             <a:r>
-              <a:rPr lang="en-US" sz="3600" dirty="0"/>
+              <a:rPr lang="en-US" sz="2400" dirty="0"/>
               <a:t>EVOLUTION OF COMPUTERS (CONTINUED)</a:t>
             </a:r>
           </a:p>
@@ -4512,7 +4533,7 @@
         </p:nvSpPr>
         <p:spPr>
           <a:xfrm>
-            <a:off x="1069848" y="1005302"/>
+            <a:off x="457598" y="1095878"/>
             <a:ext cx="10058400" cy="5597203"/>
           </a:xfrm>
         </p:spPr>
@@ -4819,17 +4840,17 @@
         <p:spPr>
           <a:xfrm>
             <a:off x="1069848" y="484632"/>
-            <a:ext cx="10058400" cy="550792"/>
+            <a:ext cx="4591481" cy="550792"/>
           </a:xfrm>
         </p:spPr>
         <p:txBody>
           <a:bodyPr>
-            <a:normAutofit fontScale="90000"/>
+            <a:normAutofit/>
           </a:bodyPr>
           <a:lstStyle/>
           <a:p>
             <a:r>
-              <a:rPr lang="en-US" sz="3600" dirty="0"/>
+              <a:rPr lang="en-US" sz="2400" dirty="0"/>
               <a:t>EVOLUTION OF COMPUTERS (CONTINUED)</a:t>
             </a:r>
           </a:p>
@@ -4880,7 +4901,11 @@
             </a:r>
             <a:r>
               <a:rPr lang="en-US" sz="2200" dirty="0" smtClean="0"/>
-              <a:t>4. Fourth </a:t>
+              <a:t>4</a:t>
+            </a:r>
+            <a:r>
+              <a:rPr lang="en-US" sz="2200" dirty="0" smtClean="0"/>
+              <a:t>. Fourth </a:t>
             </a:r>
             <a:r>
               <a:rPr lang="en-US" sz="2200" dirty="0"/>
@@ -5040,8 +5065,8 @@
         </p:nvSpPr>
         <p:spPr>
           <a:xfrm>
-            <a:off x="1069848" y="484632"/>
-            <a:ext cx="10058400" cy="913862"/>
+            <a:off x="799505" y="413071"/>
+            <a:ext cx="3025074" cy="477476"/>
           </a:xfrm>
         </p:spPr>
         <p:txBody>
@@ -5050,12 +5075,11 @@
           </a:bodyPr>
           <a:lstStyle/>
           <a:p>
-            <a:pPr algn="ctr"/>
-            <a:r>
-              <a:rPr lang="en-US" sz="3600" dirty="0" smtClean="0"/>
+            <a:r>
+              <a:rPr lang="en-US" sz="2400" dirty="0" smtClean="0"/>
               <a:t>TYPES OF COMPUTERS</a:t>
             </a:r>
-            <a:endParaRPr lang="en-US" sz="3600" dirty="0"/>
+            <a:endParaRPr lang="en-US" sz="2400" dirty="0"/>
           </a:p>
         </p:txBody>
       </p:sp>
@@ -5083,8 +5107,8 @@
         </p:blipFill>
         <p:spPr>
           <a:xfrm>
-            <a:off x="3091525" y="2120900"/>
-            <a:ext cx="6015299" cy="4051300"/>
+            <a:off x="531206" y="1635870"/>
+            <a:ext cx="6015299" cy="4590001"/>
           </a:xfrm>
         </p:spPr>
       </p:pic>
@@ -5137,8 +5161,8 @@
         </p:nvSpPr>
         <p:spPr>
           <a:xfrm>
-            <a:off x="1069848" y="484632"/>
-            <a:ext cx="10058400" cy="606231"/>
+            <a:off x="634572" y="468731"/>
+            <a:ext cx="3667084" cy="509280"/>
           </a:xfrm>
         </p:spPr>
         <p:txBody>
@@ -5149,7 +5173,7 @@
           <a:p>
             <a:r>
               <a:rPr lang="en-US" sz="2400" dirty="0" smtClean="0"/>
-              <a:t>PROGRAM EXECUTION (TYPICAL FORMAT)</a:t>
+              <a:t>TRANSLATION OF SOURCE CODE</a:t>
             </a:r>
             <a:endParaRPr lang="en-US" sz="2400" dirty="0"/>
           </a:p>
@@ -5157,7 +5181,7 @@
       </p:sp>
       <p:pic>
         <p:nvPicPr>
-          <p:cNvPr id="4" name="Content Placeholder 3"/>
+          <p:cNvPr id="5" name="Content Placeholder 4"/>
           <p:cNvPicPr>
             <a:picLocks noGrp="1" noChangeAspect="1"/>
           </p:cNvPicPr>
@@ -5179,8 +5203,104 @@
         </p:blipFill>
         <p:spPr>
           <a:xfrm>
-            <a:off x="1246556" y="1402303"/>
-            <a:ext cx="6015299" cy="4116182"/>
+            <a:off x="634572" y="1381058"/>
+            <a:ext cx="6015300" cy="3898607"/>
+          </a:xfrm>
+        </p:spPr>
+      </p:pic>
+    </p:spTree>
+    <p:extLst>
+      <p:ext uri="{BB962C8B-B14F-4D97-AF65-F5344CB8AC3E}">
+        <p14:creationId xmlns:p14="http://schemas.microsoft.com/office/powerpoint/2010/main" val="1576314677"/>
+      </p:ext>
+    </p:extLst>
+  </p:cSld>
+  <p:clrMapOvr>
+    <a:masterClrMapping/>
+  </p:clrMapOvr>
+  <p:timing>
+    <p:tnLst>
+      <p:par>
+        <p:cTn id="1" dur="indefinite" restart="never" nodeType="tmRoot"/>
+      </p:par>
+    </p:tnLst>
+  </p:timing>
+</p:sld>
+</file>
+
+<file path=ppt/slides/slide8.xml><?xml version="1.0" encoding="utf-8"?>
+<p:sld xmlns:a="http://schemas.openxmlformats.org/drawingml/2006/main" xmlns:r="http://schemas.openxmlformats.org/officeDocument/2006/relationships" xmlns:p="http://schemas.openxmlformats.org/presentationml/2006/main">
+  <p:cSld>
+    <p:spTree>
+      <p:nvGrpSpPr>
+        <p:cNvPr id="1" name=""/>
+        <p:cNvGrpSpPr/>
+        <p:nvPr/>
+      </p:nvGrpSpPr>
+      <p:grpSpPr>
+        <a:xfrm>
+          <a:off x="0" y="0"/>
+          <a:ext cx="0" cy="0"/>
+          <a:chOff x="0" y="0"/>
+          <a:chExt cx="0" cy="0"/>
+        </a:xfrm>
+      </p:grpSpPr>
+      <p:sp>
+        <p:nvSpPr>
+          <p:cNvPr id="2" name="Title 1"/>
+          <p:cNvSpPr>
+            <a:spLocks noGrp="1"/>
+          </p:cNvSpPr>
+          <p:nvPr>
+            <p:ph type="title"/>
+          </p:nvPr>
+        </p:nvSpPr>
+        <p:spPr>
+          <a:xfrm>
+            <a:off x="1069848" y="484632"/>
+            <a:ext cx="4901582" cy="606231"/>
+          </a:xfrm>
+        </p:spPr>
+        <p:txBody>
+          <a:bodyPr>
+            <a:normAutofit/>
+          </a:bodyPr>
+          <a:lstStyle/>
+          <a:p>
+            <a:r>
+              <a:rPr lang="en-US" sz="2400" dirty="0" smtClean="0"/>
+              <a:t>PROGRAM EXECUTION (TYPICAL FORMAT)</a:t>
+            </a:r>
+            <a:endParaRPr lang="en-US" sz="2400" dirty="0"/>
+          </a:p>
+        </p:txBody>
+      </p:sp>
+      <p:pic>
+        <p:nvPicPr>
+          <p:cNvPr id="5" name="Content Placeholder 4"/>
+          <p:cNvPicPr>
+            <a:picLocks noGrp="1" noChangeAspect="1"/>
+          </p:cNvPicPr>
+          <p:nvPr>
+            <p:ph idx="1"/>
+          </p:nvPr>
+        </p:nvPicPr>
+        <p:blipFill>
+          <a:blip r:embed="rId2">
+            <a:extLst>
+              <a:ext uri="{28A0092B-C50C-407E-A947-70E740481C1C}">
+                <a14:useLocalDpi xmlns:a14="http://schemas.microsoft.com/office/drawing/2010/main" val="0"/>
+              </a:ext>
+            </a:extLst>
+          </a:blip>
+          <a:stretch>
+            <a:fillRect/>
+          </a:stretch>
+        </p:blipFill>
+        <p:spPr>
+          <a:xfrm>
+            <a:off x="427838" y="1090863"/>
+            <a:ext cx="6015300" cy="4051300"/>
           </a:xfrm>
         </p:spPr>
       </p:pic>
@@ -5204,7 +5324,7 @@
 </p:sld>
 </file>
 
-<file path=ppt/slides/slide8.xml><?xml version="1.0" encoding="utf-8"?>
+<file path=ppt/slides/slide9.xml><?xml version="1.0" encoding="utf-8"?>
 <p:sld xmlns:a="http://schemas.openxmlformats.org/drawingml/2006/main" xmlns:r="http://schemas.openxmlformats.org/officeDocument/2006/relationships" xmlns:p="http://schemas.openxmlformats.org/presentationml/2006/main">
   <p:cSld>
     <p:spTree>
